--- a/TAI LIEU/BÁO CÁO ĐỒ ÁN MÔN HỌC 2.pptx
+++ b/TAI LIEU/BÁO CÁO ĐỒ ÁN MÔN HỌC 2.pptx
@@ -8407,12 +8407,12 @@
         <a:fontRef idx="minor"/>
       </dsp:style>
       <dsp:txBody>
-        <a:bodyPr spcFirstLastPara="0" vert="horz" wrap="square" lIns="121920" tIns="121920" rIns="121920" bIns="121920" numCol="1" spcCol="1270" anchor="t" anchorCtr="0">
+        <a:bodyPr spcFirstLastPara="0" vert="horz" wrap="square" lIns="118110" tIns="118110" rIns="118110" bIns="118110" numCol="1" spcCol="1270" anchor="t" anchorCtr="0">
           <a:noAutofit/>
         </a:bodyPr>
         <a:lstStyle/>
         <a:p>
-          <a:pPr marL="0" lvl="0" indent="0" algn="l" defTabSz="1422400">
+          <a:pPr marL="0" lvl="0" indent="0" algn="l" defTabSz="1377950">
             <a:lnSpc>
               <a:spcPct val="90000"/>
             </a:lnSpc>
@@ -8425,10 +8425,10 @@
             <a:buNone/>
           </a:pPr>
           <a:r>
-            <a:rPr lang="en-US" sz="3200" i="1" kern="1200"/>
+            <a:rPr lang="en-US" sz="3100" i="1" kern="1200"/>
             <a:t>WiFi.mode(m): thiết lập chế độ WIFI_AP, WIFI_STA, WIFI_AP_STA hoặc WIFI_OFF.</a:t>
           </a:r>
-          <a:endParaRPr lang="en-US" sz="3200" kern="1200"/>
+          <a:endParaRPr lang="en-US" sz="3100" kern="1200"/>
         </a:p>
       </dsp:txBody>
       <dsp:txXfrm>
@@ -8517,12 +8517,12 @@
         <a:fontRef idx="minor"/>
       </dsp:style>
       <dsp:txBody>
-        <a:bodyPr spcFirstLastPara="0" vert="horz" wrap="square" lIns="121920" tIns="121920" rIns="121920" bIns="121920" numCol="1" spcCol="1270" anchor="t" anchorCtr="0">
+        <a:bodyPr spcFirstLastPara="0" vert="horz" wrap="square" lIns="118110" tIns="118110" rIns="118110" bIns="118110" numCol="1" spcCol="1270" anchor="t" anchorCtr="0">
           <a:noAutofit/>
         </a:bodyPr>
         <a:lstStyle/>
         <a:p>
-          <a:pPr marL="0" lvl="0" indent="0" algn="l" defTabSz="1422400">
+          <a:pPr marL="0" lvl="0" indent="0" algn="l" defTabSz="1377950">
             <a:lnSpc>
               <a:spcPct val="90000"/>
             </a:lnSpc>
@@ -8535,7 +8535,7 @@
             <a:buNone/>
           </a:pPr>
           <a:r>
-            <a:rPr lang="en-US" sz="3200" kern="1200"/>
+            <a:rPr lang="en-US" sz="3100" kern="1200"/>
             <a:t>Gọi WiFi.softAP(ssid) để thiết lập một open network</a:t>
           </a:r>
         </a:p>
@@ -8626,12 +8626,12 @@
         <a:fontRef idx="minor"/>
       </dsp:style>
       <dsp:txBody>
-        <a:bodyPr spcFirstLastPara="0" vert="horz" wrap="square" lIns="121920" tIns="121920" rIns="121920" bIns="121920" numCol="1" spcCol="1270" anchor="t" anchorCtr="0">
+        <a:bodyPr spcFirstLastPara="0" vert="horz" wrap="square" lIns="118110" tIns="118110" rIns="118110" bIns="118110" numCol="1" spcCol="1270" anchor="t" anchorCtr="0">
           <a:noAutofit/>
         </a:bodyPr>
         <a:lstStyle/>
         <a:p>
-          <a:pPr marL="0" lvl="0" indent="0" algn="l" defTabSz="1422400">
+          <a:pPr marL="0" lvl="0" indent="0" algn="l" defTabSz="1377950">
             <a:lnSpc>
               <a:spcPct val="90000"/>
             </a:lnSpc>
@@ -8644,10 +8644,10 @@
             <a:buNone/>
           </a:pPr>
           <a:r>
-            <a:rPr lang="en-US" sz="3200" i="1" kern="1200"/>
+            <a:rPr lang="en-US" sz="3100" i="1" kern="1200"/>
             <a:t>Gọi WiFi.softAP(ssid, password) để thiết lập WPA2-PSK (mật khấu ít nhất 8 ký tự)</a:t>
           </a:r>
-          <a:endParaRPr lang="en-US" sz="3200" kern="1200"/>
+          <a:endParaRPr lang="en-US" sz="3100" kern="1200"/>
         </a:p>
       </dsp:txBody>
       <dsp:txXfrm>
@@ -24729,7 +24729,7 @@
           <a:p>
             <a:fld id="{AC8CEC3D-96F7-401F-9673-3EE7F75C9C5B}" type="datetimeFigureOut">
               <a:rPr lang="en-US"/>
-              <a:t>14/06/2017</a:t>
+              <a:t>13/06/2018</a:t>
             </a:fld>
             <a:endParaRPr/>
           </a:p>
@@ -24894,7 +24894,7 @@
           <a:p>
             <a:fld id="{F032BCF4-D26D-4DAF-9F57-FE1E61FE7935}" type="datetimeFigureOut">
               <a:rPr lang="en-US"/>
-              <a:t>14/06/2017</a:t>
+              <a:t>13/06/2018</a:t>
             </a:fld>
             <a:endParaRPr/>
           </a:p>
@@ -25470,7 +25470,7 @@
             <a:fld id="{81C93FC7-9D1A-468B-98DB-D1E8D74418D9}" type="datetimeFigureOut">
               <a:rPr lang="en-US"/>
               <a:pPr/>
-              <a:t>14/06/2017</a:t>
+              <a:t>13/06/2018</a:t>
             </a:fld>
             <a:endParaRPr/>
           </a:p>
@@ -25672,7 +25672,7 @@
           <a:p>
             <a:fld id="{81C93FC7-9D1A-468B-98DB-D1E8D74418D9}" type="datetimeFigureOut">
               <a:rPr lang="en-US"/>
-              <a:t>14/06/2017</a:t>
+              <a:t>13/06/2018</a:t>
             </a:fld>
             <a:endParaRPr/>
           </a:p>
@@ -25884,7 +25884,7 @@
           <a:p>
             <a:fld id="{81C93FC7-9D1A-468B-98DB-D1E8D74418D9}" type="datetimeFigureOut">
               <a:rPr lang="en-US"/>
-              <a:t>14/06/2017</a:t>
+              <a:t>13/06/2018</a:t>
             </a:fld>
             <a:endParaRPr/>
           </a:p>
@@ -26086,7 +26086,7 @@
           <a:p>
             <a:fld id="{81C93FC7-9D1A-468B-98DB-D1E8D74418D9}" type="datetimeFigureOut">
               <a:rPr lang="en-US"/>
-              <a:t>14/06/2017</a:t>
+              <a:t>13/06/2018</a:t>
             </a:fld>
             <a:endParaRPr/>
           </a:p>
@@ -26353,7 +26353,7 @@
             <a:fld id="{81C93FC7-9D1A-468B-98DB-D1E8D74418D9}" type="datetimeFigureOut">
               <a:rPr lang="en-US"/>
               <a:pPr/>
-              <a:t>14/06/2017</a:t>
+              <a:t>13/06/2018</a:t>
             </a:fld>
             <a:endParaRPr/>
           </a:p>
@@ -26658,7 +26658,7 @@
           <a:p>
             <a:fld id="{81C93FC7-9D1A-468B-98DB-D1E8D74418D9}" type="datetimeFigureOut">
               <a:rPr lang="en-US"/>
-              <a:t>14/06/2017</a:t>
+              <a:t>13/06/2018</a:t>
             </a:fld>
             <a:endParaRPr/>
           </a:p>
@@ -27106,7 +27106,7 @@
           <a:p>
             <a:fld id="{81C93FC7-9D1A-468B-98DB-D1E8D74418D9}" type="datetimeFigureOut">
               <a:rPr lang="en-US"/>
-              <a:t>14/06/2017</a:t>
+              <a:t>13/06/2018</a:t>
             </a:fld>
             <a:endParaRPr/>
           </a:p>
@@ -27240,7 +27240,7 @@
           <a:p>
             <a:fld id="{81C93FC7-9D1A-468B-98DB-D1E8D74418D9}" type="datetimeFigureOut">
               <a:rPr lang="en-US"/>
-              <a:t>14/06/2017</a:t>
+              <a:t>13/06/2018</a:t>
             </a:fld>
             <a:endParaRPr/>
           </a:p>
@@ -27351,7 +27351,7 @@
           <a:p>
             <a:fld id="{81C93FC7-9D1A-468B-98DB-D1E8D74418D9}" type="datetimeFigureOut">
               <a:rPr lang="en-US"/>
-              <a:t>14/06/2017</a:t>
+              <a:t>13/06/2018</a:t>
             </a:fld>
             <a:endParaRPr/>
           </a:p>
@@ -27653,7 +27653,7 @@
           <a:p>
             <a:fld id="{81C93FC7-9D1A-468B-98DB-D1E8D74418D9}" type="datetimeFigureOut">
               <a:rPr lang="en-US"/>
-              <a:t>14/06/2017</a:t>
+              <a:t>13/06/2018</a:t>
             </a:fld>
             <a:endParaRPr/>
           </a:p>
@@ -27943,7 +27943,7 @@
           <a:p>
             <a:fld id="{81C93FC7-9D1A-468B-98DB-D1E8D74418D9}" type="datetimeFigureOut">
               <a:rPr lang="en-US"/>
-              <a:t>14/06/2017</a:t>
+              <a:t>13/06/2018</a:t>
             </a:fld>
             <a:endParaRPr/>
           </a:p>
@@ -28174,7 +28174,7 @@
             <a:fld id="{81C93FC7-9D1A-468B-98DB-D1E8D74418D9}" type="datetimeFigureOut">
               <a:rPr lang="en-US" smtClean="0"/>
               <a:pPr/>
-              <a:t>14/06/2017</a:t>
+              <a:t>13/06/2018</a:t>
             </a:fld>
             <a:endParaRPr lang="en-US"/>
           </a:p>
@@ -28652,7 +28652,7 @@
           <a:p>
             <a:pPr algn="ctr"/>
             <a:r>
-              <a:rPr lang="en-US"/>
+              <a:rPr lang="en-US" dirty="0"/>
               <a:t>BÁO CÁO ĐỒ ÁN MÔN HỌC 2</a:t>
             </a:r>
           </a:p>
@@ -28704,7 +28704,7 @@
         </p:nvSpPr>
         <p:spPr bwMode="auto">
           <a:xfrm>
-            <a:off x="5374332" y="908720"/>
+            <a:off x="5374332" y="826240"/>
             <a:ext cx="6408712" cy="2160591"/>
           </a:xfrm>
           <a:prstGeom prst="rect">
@@ -28744,7 +28744,7 @@
               </a:spcAft>
             </a:pPr>
             <a:r>
-              <a:rPr lang="en-US" sz="4000" b="1" err="1">
+              <a:rPr lang="en-US" sz="4000" b="1" dirty="0" err="1">
                 <a:solidFill>
                   <a:srgbClr val="FF3300"/>
                 </a:solidFill>
@@ -28755,7 +28755,7 @@
               <a:t>Mô</a:t>
             </a:r>
             <a:r>
-              <a:rPr lang="en-US" sz="4000" b="1">
+              <a:rPr lang="en-US" sz="4000" b="1" dirty="0">
                 <a:solidFill>
                   <a:srgbClr val="FF3300"/>
                 </a:solidFill>
@@ -28766,7 +28766,7 @@
               <a:t> </a:t>
             </a:r>
             <a:r>
-              <a:rPr lang="en-US" sz="4000" b="1" err="1">
+              <a:rPr lang="en-US" sz="4000" b="1" dirty="0" err="1">
                 <a:solidFill>
                   <a:srgbClr val="FF3300"/>
                 </a:solidFill>
@@ -28777,7 +28777,7 @@
               <a:t>Hình</a:t>
             </a:r>
             <a:r>
-              <a:rPr lang="en-US" sz="4000" b="1">
+              <a:rPr lang="en-US" sz="4000" b="1" dirty="0">
                 <a:solidFill>
                   <a:srgbClr val="FF3300"/>
                 </a:solidFill>
@@ -28788,7 +28788,7 @@
               <a:t> </a:t>
             </a:r>
             <a:r>
-              <a:rPr lang="en-US" sz="4000" b="1" err="1">
+              <a:rPr lang="en-US" sz="4000" b="1" dirty="0" err="1">
                 <a:solidFill>
                   <a:srgbClr val="FF3300"/>
                 </a:solidFill>
@@ -28799,7 +28799,7 @@
               <a:t>Đơn</a:t>
             </a:r>
             <a:r>
-              <a:rPr lang="en-US" sz="4000" b="1">
+              <a:rPr lang="en-US" sz="4000" b="1" dirty="0">
                 <a:solidFill>
                   <a:srgbClr val="FF3300"/>
                 </a:solidFill>
@@ -28810,7 +28810,7 @@
               <a:t> </a:t>
             </a:r>
             <a:r>
-              <a:rPr lang="en-US" sz="4000" b="1" err="1">
+              <a:rPr lang="en-US" sz="4000" b="1" dirty="0" err="1">
                 <a:solidFill>
                   <a:srgbClr val="FF3300"/>
                 </a:solidFill>
@@ -28821,7 +28821,7 @@
               <a:t>Giản</a:t>
             </a:r>
             <a:r>
-              <a:rPr lang="en-US" sz="4000" b="1">
+              <a:rPr lang="en-US" sz="4000" b="1" dirty="0">
                 <a:solidFill>
                   <a:srgbClr val="FF3300"/>
                 </a:solidFill>
@@ -28832,7 +28832,7 @@
               <a:t> </a:t>
             </a:r>
             <a:r>
-              <a:rPr lang="en-US" sz="4000" b="1" err="1">
+              <a:rPr lang="en-US" sz="4000" b="1" dirty="0" err="1">
                 <a:solidFill>
                   <a:srgbClr val="FF3300"/>
                 </a:solidFill>
@@ -28843,7 +28843,7 @@
               <a:t>Của</a:t>
             </a:r>
             <a:r>
-              <a:rPr lang="en-US" sz="4000" b="1">
+              <a:rPr lang="en-US" sz="4000" b="1" dirty="0">
                 <a:solidFill>
                   <a:srgbClr val="FF3300"/>
                 </a:solidFill>
@@ -28854,7 +28854,7 @@
               <a:t> </a:t>
             </a:r>
             <a:r>
-              <a:rPr lang="en-US" sz="4000" b="1" err="1">
+              <a:rPr lang="en-US" sz="4000" b="1" dirty="0" err="1">
                 <a:solidFill>
                   <a:srgbClr val="FF3300"/>
                 </a:solidFill>
@@ -28865,7 +28865,7 @@
               <a:t>Nha</a:t>
             </a:r>
             <a:r>
-              <a:rPr lang="en-US" sz="4000" b="1">
+              <a:rPr lang="en-US" sz="4000" b="1" dirty="0">
                 <a:solidFill>
                   <a:srgbClr val="FF3300"/>
                 </a:solidFill>
@@ -28876,7 +28876,7 @@
               <a:t>̀ </a:t>
             </a:r>
             <a:r>
-              <a:rPr lang="en-US" sz="4000" b="1" err="1">
+              <a:rPr lang="en-US" sz="4000" b="1" dirty="0" err="1">
                 <a:solidFill>
                   <a:srgbClr val="FF3300"/>
                 </a:solidFill>
@@ -28887,7 +28887,7 @@
               <a:t>Kính</a:t>
             </a:r>
             <a:r>
-              <a:rPr lang="en-US" sz="4000" b="1">
+              <a:rPr lang="en-US" sz="4000" b="1" dirty="0">
                 <a:solidFill>
                   <a:srgbClr val="FF3300"/>
                 </a:solidFill>
@@ -28898,7 +28898,7 @@
               <a:t> </a:t>
             </a:r>
             <a:r>
-              <a:rPr lang="en-US" sz="4000" b="1" err="1">
+              <a:rPr lang="en-US" sz="4000" b="1" dirty="0" err="1">
                 <a:solidFill>
                   <a:srgbClr val="FF3300"/>
                 </a:solidFill>
@@ -28909,7 +28909,7 @@
               <a:t>Thông</a:t>
             </a:r>
             <a:r>
-              <a:rPr lang="en-US" sz="4000" b="1">
+              <a:rPr lang="en-US" sz="4000" b="1" dirty="0">
                 <a:solidFill>
                   <a:srgbClr val="FF3300"/>
                 </a:solidFill>
@@ -28920,7 +28920,7 @@
               <a:t> Minh </a:t>
             </a:r>
             <a:r>
-              <a:rPr lang="en-US" sz="4000" b="1" err="1">
+              <a:rPr lang="en-US" sz="4000" b="1" dirty="0" err="1">
                 <a:ln>
                   <a:noFill/>
                 </a:ln>
@@ -28940,7 +28940,7 @@
               <a:t>Điều</a:t>
             </a:r>
             <a:r>
-              <a:rPr lang="en-US" sz="4000" b="1">
+              <a:rPr lang="en-US" sz="4000" b="1" dirty="0">
                 <a:solidFill>
                   <a:srgbClr val="FF3300"/>
                 </a:solidFill>
@@ -28951,7 +28951,7 @@
               <a:t> </a:t>
             </a:r>
             <a:r>
-              <a:rPr lang="en-US" sz="4000" b="1" err="1">
+              <a:rPr lang="en-US" sz="4000" b="1" dirty="0" err="1">
                 <a:solidFill>
                   <a:srgbClr val="FF3300"/>
                 </a:solidFill>
@@ -28962,7 +28962,7 @@
               <a:t>Khiển</a:t>
             </a:r>
             <a:r>
-              <a:rPr lang="en-US" sz="4000" b="1">
+              <a:rPr lang="en-US" sz="4000" b="1" dirty="0">
                 <a:solidFill>
                   <a:srgbClr val="FF3300"/>
                 </a:solidFill>
@@ -28973,7 +28973,7 @@
               <a:t> Qua </a:t>
             </a:r>
             <a:r>
-              <a:rPr lang="en-US" sz="4000" b="1" err="1">
+              <a:rPr lang="en-US" sz="4000" b="1" dirty="0" err="1">
                 <a:solidFill>
                   <a:srgbClr val="FF3300"/>
                 </a:solidFill>
@@ -28983,7 +28983,7 @@
               </a:rPr>
               <a:t>WebSite</a:t>
             </a:r>
-            <a:endParaRPr lang="en-US" sz="2400">
+            <a:endParaRPr lang="en-US" sz="2400" dirty="0">
               <a:solidFill>
                 <a:srgbClr val="FF3300"/>
               </a:solidFill>
@@ -29028,7 +29028,7 @@
               </a:spcAft>
             </a:pPr>
             <a:r>
-              <a:rPr lang="en-US" sz="2400" b="1">
+              <a:rPr lang="en-US" sz="2400" b="1" dirty="0">
                 <a:solidFill>
                   <a:srgbClr val="FFFF00"/>
                 </a:solidFill>
@@ -29038,7 +29038,7 @@
               <a:t>GVHD: </a:t>
             </a:r>
             <a:r>
-              <a:rPr lang="en-US" sz="2400" b="1" err="1">
+              <a:rPr lang="en-US" sz="2400" b="1" dirty="0" err="1">
                 <a:solidFill>
                   <a:srgbClr val="FFFF00"/>
                 </a:solidFill>
@@ -29048,7 +29048,7 @@
               <a:t>Th.S</a:t>
             </a:r>
             <a:r>
-              <a:rPr lang="en-US" sz="2400" b="1">
+              <a:rPr lang="en-US" sz="2400" b="1" dirty="0">
                 <a:solidFill>
                   <a:srgbClr val="FFFF00"/>
                 </a:solidFill>
@@ -29058,7 +29058,7 @@
               <a:t> </a:t>
             </a:r>
             <a:r>
-              <a:rPr lang="en-US" sz="2400" b="1" err="1">
+              <a:rPr lang="en-US" sz="2400" b="1" dirty="0" err="1">
                 <a:solidFill>
                   <a:srgbClr val="FFFF00"/>
                 </a:solidFill>
@@ -29068,7 +29068,7 @@
               <a:t>Trần</a:t>
             </a:r>
             <a:r>
-              <a:rPr lang="en-US" sz="2400" b="1">
+              <a:rPr lang="en-US" sz="2400" b="1" dirty="0">
                 <a:solidFill>
                   <a:srgbClr val="FFFF00"/>
                 </a:solidFill>
@@ -29078,7 +29078,7 @@
               <a:t> </a:t>
             </a:r>
             <a:r>
-              <a:rPr lang="en-US" sz="2400" b="1" err="1">
+              <a:rPr lang="en-US" sz="2400" b="1" dirty="0" err="1">
                 <a:solidFill>
                   <a:srgbClr val="FFFF00"/>
                 </a:solidFill>
@@ -29088,7 +29088,7 @@
               <a:t>Hoàng</a:t>
             </a:r>
             <a:r>
-              <a:rPr lang="en-US" sz="2400" b="1">
+              <a:rPr lang="en-US" sz="2400" b="1" dirty="0">
                 <a:solidFill>
                   <a:srgbClr val="FFFF00"/>
                 </a:solidFill>
@@ -29098,7 +29098,7 @@
               <a:t> </a:t>
             </a:r>
             <a:r>
-              <a:rPr lang="en-US" sz="2400" b="1" err="1">
+              <a:rPr lang="en-US" sz="2400" b="1" dirty="0" err="1">
                 <a:solidFill>
                   <a:srgbClr val="FFFF00"/>
                 </a:solidFill>
@@ -29107,7 +29107,7 @@
               </a:rPr>
               <a:t>Quân</a:t>
             </a:r>
-            <a:endParaRPr lang="en-US">
+            <a:endParaRPr lang="en-US" dirty="0">
               <a:solidFill>
                 <a:srgbClr val="FFFF00"/>
               </a:solidFill>
@@ -29128,7 +29128,7 @@
               </a:spcAft>
             </a:pPr>
             <a:r>
-              <a:rPr lang="en-US" sz="2400" b="1">
+              <a:rPr lang="en-US" sz="2400" b="1" dirty="0">
                 <a:solidFill>
                   <a:srgbClr val="FFFF00"/>
                 </a:solidFill>
@@ -29138,7 +29138,7 @@
               <a:t>SVTH: </a:t>
             </a:r>
             <a:r>
-              <a:rPr lang="en-US" sz="2400" b="1" err="1">
+              <a:rPr lang="en-US" sz="2400" b="1" dirty="0" err="1">
                 <a:solidFill>
                   <a:srgbClr val="FFFF00"/>
                 </a:solidFill>
@@ -29148,7 +29148,7 @@
               <a:t>Trần</a:t>
             </a:r>
             <a:r>
-              <a:rPr lang="en-US" sz="2400" b="1">
+              <a:rPr lang="en-US" sz="2400" b="1" dirty="0">
                 <a:solidFill>
                   <a:srgbClr val="FFFF00"/>
                 </a:solidFill>
@@ -29157,7 +29157,7 @@
               </a:rPr>
               <a:t> Anh Tân</a:t>
             </a:r>
-            <a:endParaRPr lang="en-US">
+            <a:endParaRPr lang="en-US" dirty="0">
               <a:solidFill>
                 <a:srgbClr val="FFFF00"/>
               </a:solidFill>
@@ -29178,7 +29178,7 @@
               </a:spcAft>
             </a:pPr>
             <a:r>
-              <a:rPr lang="en-US" sz="2400" b="1">
+              <a:rPr lang="en-US" sz="2400" b="1" dirty="0">
                 <a:solidFill>
                   <a:srgbClr val="FFFF00"/>
                 </a:solidFill>
@@ -29187,7 +29187,7 @@
               </a:rPr>
               <a:t>MSSV: 4133561</a:t>
             </a:r>
-            <a:endParaRPr lang="en-US">
+            <a:endParaRPr lang="en-US" dirty="0">
               <a:solidFill>
                 <a:srgbClr val="FFFF00"/>
               </a:solidFill>
@@ -35493,15 +35493,6 @@
 </file>
 
 <file path=customXml/item1.xml><?xml version="1.0" encoding="utf-8"?>
-<?mso-contentType ?>
-<FormTemplates xmlns="http://schemas.microsoft.com/sharepoint/v3/contenttype/forms">
-  <Display>DocumentLibraryForm</Display>
-  <Edit>DocumentLibraryForm</Edit>
-  <New>DocumentLibraryForm</New>
-</FormTemplates>
-</file>
-
-<file path=customXml/item2.xml><?xml version="1.0" encoding="utf-8"?>
 <ct:contentTypeSchema xmlns:ct="http://schemas.microsoft.com/office/2006/metadata/contentType" xmlns:ma="http://schemas.microsoft.com/office/2006/metadata/properties/metaAttributes" ct:_="" ma:_="" ma:contentTypeName="Document" ma:contentTypeID="0x010100AA3F7D94069FF64A86F7DFF56D60E3BE" ma:contentTypeVersion="6" ma:contentTypeDescription="Create a new document." ma:contentTypeScope="" ma:versionID="c32302c77d4085ecf495bdddb7f5e889">
   <xsd:schema xmlns:xsd="http://www.w3.org/2001/XMLSchema" xmlns:xs="http://www.w3.org/2001/XMLSchema" xmlns:p="http://schemas.microsoft.com/office/2006/metadata/properties" xmlns:ns2="a4f35948-e619-41b3-aa29-22878b09cfd2" xmlns:ns3="40262f94-9f35-4ac3-9a90-690165a166b7" targetNamespace="http://schemas.microsoft.com/office/2006/metadata/properties" ma:root="true" ma:fieldsID="4ab5ae46be95f9d0be6107e8200be7a2" ns2:_="" ns3:_="">
     <xsd:import namespace="a4f35948-e619-41b3-aa29-22878b09cfd2"/>
@@ -35682,6 +35673,15 @@
 </ct:contentTypeSchema>
 </file>
 
+<file path=customXml/item2.xml><?xml version="1.0" encoding="utf-8"?>
+<?mso-contentType ?>
+<FormTemplates xmlns="http://schemas.microsoft.com/sharepoint/v3/contenttype/forms">
+  <Display>DocumentLibraryForm</Display>
+  <Edit>DocumentLibraryForm</Edit>
+  <New>DocumentLibraryForm</New>
+</FormTemplates>
+</file>
+
 <file path=customXml/item3.xml><?xml version="1.0" encoding="utf-8"?>
 <p:properties xmlns:p="http://schemas.microsoft.com/office/2006/metadata/properties" xmlns:xsi="http://www.w3.org/2001/XMLSchema-instance" xmlns:pc="http://schemas.microsoft.com/office/infopath/2007/PartnerControls">
   <documentManagement>
@@ -35694,14 +35694,6 @@
 </file>
 
 <file path=customXml/itemProps1.xml><?xml version="1.0" encoding="utf-8"?>
-<ds:datastoreItem xmlns:ds="http://schemas.openxmlformats.org/officeDocument/2006/customXml" ds:itemID="{7F9B8BCC-BF24-4800-92E1-9F891BBB27E6}">
-  <ds:schemaRefs>
-    <ds:schemaRef ds:uri="http://schemas.microsoft.com/sharepoint/v3/contenttype/forms"/>
-  </ds:schemaRefs>
-</ds:datastoreItem>
-</file>
-
-<file path=customXml/itemProps2.xml><?xml version="1.0" encoding="utf-8"?>
 <ds:datastoreItem xmlns:ds="http://schemas.openxmlformats.org/officeDocument/2006/customXml" ds:itemID="{5CCB2C71-1ED8-4540-B003-293B5E75C71F}">
   <ds:schemaRefs>
     <ds:schemaRef ds:uri="http://schemas.microsoft.com/office/2006/metadata/contentType"/>
@@ -35720,19 +35712,27 @@
 </ds:datastoreItem>
 </file>
 
+<file path=customXml/itemProps2.xml><?xml version="1.0" encoding="utf-8"?>
+<ds:datastoreItem xmlns:ds="http://schemas.openxmlformats.org/officeDocument/2006/customXml" ds:itemID="{7F9B8BCC-BF24-4800-92E1-9F891BBB27E6}">
+  <ds:schemaRefs>
+    <ds:schemaRef ds:uri="http://schemas.microsoft.com/sharepoint/v3/contenttype/forms"/>
+  </ds:schemaRefs>
+</ds:datastoreItem>
+</file>
+
 <file path=customXml/itemProps3.xml><?xml version="1.0" encoding="utf-8"?>
 <ds:datastoreItem xmlns:ds="http://schemas.openxmlformats.org/officeDocument/2006/customXml" ds:itemID="{50AACE6D-8EB6-447A-8DFD-C2C0C52916AC}">
   <ds:schemaRefs>
+    <ds:schemaRef ds:uri="http://purl.org/dc/dcmitype/"/>
     <ds:schemaRef ds:uri="http://schemas.microsoft.com/office/infopath/2007/PartnerControls"/>
+    <ds:schemaRef ds:uri="http://purl.org/dc/elements/1.1/"/>
+    <ds:schemaRef ds:uri="http://schemas.microsoft.com/office/2006/documentManagement/types"/>
+    <ds:schemaRef ds:uri="http://schemas.openxmlformats.org/package/2006/metadata/core-properties"/>
     <ds:schemaRef ds:uri="http://purl.org/dc/terms/"/>
-    <ds:schemaRef ds:uri="http://schemas.openxmlformats.org/package/2006/metadata/core-properties"/>
-    <ds:schemaRef ds:uri="http://schemas.microsoft.com/office/2006/documentManagement/types"/>
     <ds:schemaRef ds:uri="40262f94-9f35-4ac3-9a90-690165a166b7"/>
-    <ds:schemaRef ds:uri="http://purl.org/dc/elements/1.1/"/>
+    <ds:schemaRef ds:uri="a4f35948-e619-41b3-aa29-22878b09cfd2"/>
     <ds:schemaRef ds:uri="http://schemas.microsoft.com/office/2006/metadata/properties"/>
-    <ds:schemaRef ds:uri="a4f35948-e619-41b3-aa29-22878b09cfd2"/>
     <ds:schemaRef ds:uri="http://www.w3.org/XML/1998/namespace"/>
-    <ds:schemaRef ds:uri="http://purl.org/dc/dcmitype/"/>
   </ds:schemaRefs>
 </ds:datastoreItem>
 </file>